--- a/projects/project5/project5.pptx
+++ b/projects/project5/project5.pptx
@@ -5035,7 +5035,7 @@
         <p:spPr>
           <a:xfrm>
             <a:off x="1026160" y="863720"/>
-            <a:ext cx="6827520" cy="3847207"/>
+            <a:ext cx="7070436" cy="3847207"/>
           </a:xfrm>
           <a:prstGeom prst="rect">
             <a:avLst/>
@@ -5163,7 +5163,47 @@
                 <a:latin typeface="Times New Roman" panose="02020603050405020304" pitchFamily="18" charset="0"/>
                 <a:cs typeface="Times New Roman" panose="02020603050405020304" pitchFamily="18" charset="0"/>
               </a:rPr>
-              <a:t>Function design</a:t>
+              <a:t>Function </a:t>
+            </a:r>
+            <a:r>
+              <a:rPr lang="en-US" sz="2000" b="1" dirty="0" smtClean="0">
+                <a:solidFill>
+                  <a:srgbClr val="000000"/>
+                </a:solidFill>
+                <a:latin typeface="Times New Roman" panose="02020603050405020304" pitchFamily="18" charset="0"/>
+                <a:cs typeface="Times New Roman" panose="02020603050405020304" pitchFamily="18" charset="0"/>
+              </a:rPr>
+              <a:t>design</a:t>
+            </a:r>
+            <a:r>
+              <a:rPr lang="zh-CN" altLang="en-US" sz="2000" b="1" dirty="0" smtClean="0">
+                <a:solidFill>
+                  <a:srgbClr val="000000"/>
+                </a:solidFill>
+                <a:latin typeface="Times New Roman" panose="02020603050405020304" pitchFamily="18" charset="0"/>
+                <a:cs typeface="Times New Roman" panose="02020603050405020304" pitchFamily="18" charset="0"/>
+              </a:rPr>
+              <a:t>（</a:t>
+            </a:r>
+            <a:r>
+              <a:rPr lang="en-US" altLang="zh-CN" sz="2000" b="1" dirty="0" smtClean="0">
+                <a:solidFill>
+                  <a:srgbClr val="000000"/>
+                </a:solidFill>
+                <a:latin typeface="Times New Roman" panose="02020603050405020304" pitchFamily="18" charset="0"/>
+                <a:cs typeface="Times New Roman" panose="02020603050405020304" pitchFamily="18" charset="0"/>
+              </a:rPr>
+              <a:t>include login</a:t>
+            </a:r>
+            <a:r>
+              <a:rPr lang="zh-CN" altLang="en-US" sz="2000" b="1" dirty="0" smtClean="0">
+                <a:solidFill>
+                  <a:srgbClr val="000000"/>
+                </a:solidFill>
+                <a:latin typeface="Times New Roman" panose="02020603050405020304" pitchFamily="18" charset="0"/>
+                <a:cs typeface="Times New Roman" panose="02020603050405020304" pitchFamily="18" charset="0"/>
+              </a:rPr>
+              <a:t>）</a:t>
             </a:r>
             <a:endParaRPr lang="en-US" sz="2000" b="1" dirty="0">
               <a:solidFill>
@@ -5192,8 +5232,25 @@
                 <a:latin typeface="Times New Roman" panose="02020603050405020304" pitchFamily="18" charset="0"/>
                 <a:cs typeface="Times New Roman" panose="02020603050405020304" pitchFamily="18" charset="0"/>
               </a:rPr>
-              <a:t>Software design &amp; implementation</a:t>
-            </a:r>
+              <a:t>Software design &amp; </a:t>
+            </a:r>
+            <a:r>
+              <a:rPr lang="en-US" sz="2000" b="1" dirty="0">
+                <a:solidFill>
+                  <a:srgbClr val="000000"/>
+                </a:solidFill>
+                <a:latin typeface="Times New Roman" panose="02020603050405020304" pitchFamily="18" charset="0"/>
+                <a:cs typeface="Times New Roman" panose="02020603050405020304" pitchFamily="18" charset="0"/>
+              </a:rPr>
+              <a:t>implementation(at least 2 interface)</a:t>
+            </a:r>
+            <a:endParaRPr lang="en-US" sz="2000" b="1" dirty="0" smtClean="0">
+              <a:solidFill>
+                <a:srgbClr val="000000"/>
+              </a:solidFill>
+              <a:latin typeface="Times New Roman" panose="02020603050405020304" pitchFamily="18" charset="0"/>
+              <a:cs typeface="Times New Roman" panose="02020603050405020304" pitchFamily="18" charset="0"/>
+            </a:endParaRPr>
           </a:p>
           <a:p>
             <a:r>
@@ -5267,17 +5324,7 @@
                 <a:latin typeface="Times New Roman" panose="02020603050405020304" pitchFamily="18" charset="0"/>
                 <a:cs typeface="Times New Roman" panose="02020603050405020304" pitchFamily="18" charset="0"/>
               </a:rPr>
-              <a:t>Sno_A5.zip</a:t>
-            </a:r>
-            <a:r>
-              <a:rPr lang="en-US" sz="2000" dirty="0" smtClean="0">
-                <a:solidFill>
-                  <a:srgbClr val="000000"/>
-                </a:solidFill>
-                <a:latin typeface="Times New Roman" panose="02020603050405020304" pitchFamily="18" charset="0"/>
-                <a:cs typeface="Times New Roman" panose="02020603050405020304" pitchFamily="18" charset="0"/>
-              </a:rPr>
-              <a:t>.</a:t>
+              <a:t>Sno_A5.zip.</a:t>
             </a:r>
           </a:p>
           <a:p>
